--- a/presentations/2024-10-Tutorials/2024-10 Questionnaire and SDC.pptx
+++ b/presentations/2024-10-Tutorials/2024-10 Questionnaire and SDC.pptx
@@ -321,7 +321,7 @@
             <a:fld id="{1BCE7D1B-E2D6-42EC-A46F-6B8D8AB722EA}" type="datetime1">
               <a:rPr lang="en-US" altLang="en-US"/>
               <a:pPr/>
-              <a:t>10/21/2024</a:t>
+              <a:t>10/22/2024</a:t>
             </a:fld>
             <a:endParaRPr lang="en-US" altLang="en-US"/>
           </a:p>
@@ -552,7 +552,7 @@
             <a:fld id="{60D4D74E-7671-46E5-9A5B-14F31A4C0D2E}" type="datetime1">
               <a:rPr lang="en-US" altLang="en-US"/>
               <a:pPr/>
-              <a:t>10/21/2024</a:t>
+              <a:t>10/22/2024</a:t>
             </a:fld>
             <a:endParaRPr lang="en-US" altLang="en-US"/>
           </a:p>
@@ -10674,8 +10674,12 @@
           </a:p>
           <a:p>
             <a:r>
+              <a:rPr lang="en-US"/>
+              <a:t>October 22-24, </a:t>
+            </a:r>
+            <a:r>
               <a:rPr lang="en-US" dirty="0"/>
-              <a:t>October 22-23, 2024</a:t>
+              <a:t>2024</a:t>
             </a:r>
           </a:p>
         </p:txBody>

--- a/presentations/2024-10-Tutorials/2024-10 Questionnaire and SDC.pptx
+++ b/presentations/2024-10-Tutorials/2024-10 Questionnaire and SDC.pptx
@@ -321,7 +321,7 @@
             <a:fld id="{1BCE7D1B-E2D6-42EC-A46F-6B8D8AB722EA}" type="datetime1">
               <a:rPr lang="en-US" altLang="en-US"/>
               <a:pPr/>
-              <a:t>10/22/2024</a:t>
+              <a:t>10/24/2024</a:t>
             </a:fld>
             <a:endParaRPr lang="en-US" altLang="en-US"/>
           </a:p>
@@ -552,7 +552,7 @@
             <a:fld id="{60D4D74E-7671-46E5-9A5B-14F31A4C0D2E}" type="datetime1">
               <a:rPr lang="en-US" altLang="en-US"/>
               <a:pPr/>
-              <a:t>10/22/2024</a:t>
+              <a:t>10/24/2024</a:t>
             </a:fld>
             <a:endParaRPr lang="en-US" altLang="en-US"/>
           </a:p>
@@ -1610,6 +1610,91 @@
     <p:extLst>
       <p:ext uri="{BB962C8B-B14F-4D97-AF65-F5344CB8AC3E}">
         <p14:creationId xmlns:p14="http://schemas.microsoft.com/office/powerpoint/2010/main" val="20703939"/>
+      </p:ext>
+    </p:extLst>
+  </p:cSld>
+  <p:clrMapOvr>
+    <a:masterClrMapping/>
+  </p:clrMapOvr>
+</p:notes>
+</file>
+
+<file path=ppt/notesSlides/notesSlide17.xml><?xml version="1.0" encoding="utf-8"?>
+<p:notes xmlns:a="http://schemas.openxmlformats.org/drawingml/2006/main" xmlns:r="http://schemas.openxmlformats.org/officeDocument/2006/relationships" xmlns:p="http://schemas.openxmlformats.org/presentationml/2006/main">
+  <p:cSld>
+    <p:spTree>
+      <p:nvGrpSpPr>
+        <p:cNvPr id="1" name=""/>
+        <p:cNvGrpSpPr/>
+        <p:nvPr/>
+      </p:nvGrpSpPr>
+      <p:grpSpPr>
+        <a:xfrm>
+          <a:off x="0" y="0"/>
+          <a:ext cx="0" cy="0"/>
+          <a:chOff x="0" y="0"/>
+          <a:chExt cx="0" cy="0"/>
+        </a:xfrm>
+      </p:grpSpPr>
+      <p:sp>
+        <p:nvSpPr>
+          <p:cNvPr id="2" name="Slide Image Placeholder 1"/>
+          <p:cNvSpPr>
+            <a:spLocks noGrp="1" noRot="1" noChangeAspect="1"/>
+          </p:cNvSpPr>
+          <p:nvPr>
+            <p:ph type="sldImg"/>
+          </p:nvPr>
+        </p:nvSpPr>
+        <p:spPr/>
+      </p:sp>
+      <p:sp>
+        <p:nvSpPr>
+          <p:cNvPr id="3" name="Notes Placeholder 2"/>
+          <p:cNvSpPr>
+            <a:spLocks noGrp="1"/>
+          </p:cNvSpPr>
+          <p:nvPr>
+            <p:ph type="body" idx="1"/>
+          </p:nvPr>
+        </p:nvSpPr>
+        <p:spPr/>
+        <p:txBody>
+          <a:bodyPr/>
+          <a:lstStyle/>
+          <a:p>
+            <a:endParaRPr lang="en-CA"/>
+          </a:p>
+        </p:txBody>
+      </p:sp>
+      <p:sp>
+        <p:nvSpPr>
+          <p:cNvPr id="4" name="Slide Number Placeholder 3"/>
+          <p:cNvSpPr>
+            <a:spLocks noGrp="1"/>
+          </p:cNvSpPr>
+          <p:nvPr>
+            <p:ph type="sldNum" sz="quarter" idx="5"/>
+          </p:nvPr>
+        </p:nvSpPr>
+        <p:spPr/>
+        <p:txBody>
+          <a:bodyPr/>
+          <a:lstStyle/>
+          <a:p>
+            <a:fld id="{CF4A7F80-F256-4EC8-A9CC-1A842C6C5143}" type="slidenum">
+              <a:rPr lang="en-US" altLang="en-US" smtClean="0"/>
+              <a:pPr/>
+              <a:t>56</a:t>
+            </a:fld>
+            <a:endParaRPr lang="en-US" altLang="en-US"/>
+          </a:p>
+        </p:txBody>
+      </p:sp>
+    </p:spTree>
+    <p:extLst>
+      <p:ext uri="{BB962C8B-B14F-4D97-AF65-F5344CB8AC3E}">
+        <p14:creationId xmlns:p14="http://schemas.microsoft.com/office/powerpoint/2010/main" val="4232209586"/>
       </p:ext>
     </p:extLst>
   </p:cSld>
@@ -26474,7 +26559,7 @@
           <a:p>
             <a:r>
               <a:rPr lang="en-CA" dirty="0">
-                <a:hlinkClick r:id="rId2"/>
+                <a:hlinkClick r:id="rId3"/>
               </a:rPr>
               <a:t>https://lhcforms.nlm.nih.gov</a:t>
             </a:r>
